--- a/MLP_Project/0416_midterm ppt/210416_MLP_Improved Apriori Algorithm.pptx
+++ b/MLP_Project/0416_midterm ppt/210416_MLP_Improved Apriori Algorithm.pptx
@@ -513,7 +513,7 @@
           <a:p>
             <a:fld id="{1C3D3CE8-1EA4-4539-9D55-E58CC48677D0}" type="datetimeFigureOut">
               <a:rPr lang="ko-KR" altLang="en-US" smtClean="0"/>
-              <a:t>2021-04-15</a:t>
+              <a:t>2021-04-16</a:t>
             </a:fld>
             <a:endParaRPr lang="ko-KR" altLang="en-US"/>
           </a:p>
@@ -1255,7 +1255,7 @@
           <a:p>
             <a:fld id="{A7E60D0F-AD51-4083-94B3-5363C3B422DB}" type="datetime1">
               <a:rPr lang="ko-KR" altLang="en-US" smtClean="0"/>
-              <a:t>2021-04-15</a:t>
+              <a:t>2021-04-16</a:t>
             </a:fld>
             <a:endParaRPr lang="ko-KR" altLang="en-US"/>
           </a:p>
@@ -1899,7 +1899,7 @@
           <a:p>
             <a:fld id="{5443EFE6-2546-40C4-ADE5-8273D9D089B1}" type="datetime1">
               <a:rPr lang="ko-KR" altLang="en-US" smtClean="0"/>
-              <a:t>2021-04-15</a:t>
+              <a:t>2021-04-16</a:t>
             </a:fld>
             <a:endParaRPr lang="ko-KR" altLang="en-US"/>
           </a:p>
@@ -2079,7 +2079,7 @@
           <a:p>
             <a:fld id="{9A0DA6CE-142C-475B-9F6C-CF331CCB75BC}" type="datetime1">
               <a:rPr lang="ko-KR" altLang="en-US" smtClean="0"/>
-              <a:t>2021-04-15</a:t>
+              <a:t>2021-04-16</a:t>
             </a:fld>
             <a:endParaRPr lang="ko-KR" altLang="en-US"/>
           </a:p>
@@ -2249,7 +2249,7 @@
           <a:p>
             <a:fld id="{92358BD5-8FB7-44FB-9F67-17B93E9BC86A}" type="datetime1">
               <a:rPr lang="ko-KR" altLang="en-US" smtClean="0"/>
-              <a:t>2021-04-15</a:t>
+              <a:t>2021-04-16</a:t>
             </a:fld>
             <a:endParaRPr lang="ko-KR" altLang="en-US"/>
           </a:p>
@@ -2493,7 +2493,7 @@
           <a:p>
             <a:fld id="{ED995136-4D42-4B23-B7A9-F205293FB188}" type="datetime1">
               <a:rPr lang="ko-KR" altLang="en-US" smtClean="0"/>
-              <a:t>2021-04-15</a:t>
+              <a:t>2021-04-16</a:t>
             </a:fld>
             <a:endParaRPr lang="ko-KR" altLang="en-US"/>
           </a:p>
@@ -2725,7 +2725,7 @@
           <a:p>
             <a:fld id="{D6C6F7A4-E999-47F6-BF8F-89851F39984D}" type="datetime1">
               <a:rPr lang="ko-KR" altLang="en-US" smtClean="0"/>
-              <a:t>2021-04-15</a:t>
+              <a:t>2021-04-16</a:t>
             </a:fld>
             <a:endParaRPr lang="ko-KR" altLang="en-US"/>
           </a:p>
@@ -3092,7 +3092,7 @@
           <a:p>
             <a:fld id="{E46CA7EC-9C5E-4965-AA26-F9C843E0120B}" type="datetime1">
               <a:rPr lang="ko-KR" altLang="en-US" smtClean="0"/>
-              <a:t>2021-04-15</a:t>
+              <a:t>2021-04-16</a:t>
             </a:fld>
             <a:endParaRPr lang="ko-KR" altLang="en-US"/>
           </a:p>
@@ -3210,7 +3210,7 @@
           <a:p>
             <a:fld id="{9845FFE3-CCCF-44A3-8AB5-7E29BF5D45BF}" type="datetime1">
               <a:rPr lang="ko-KR" altLang="en-US" smtClean="0"/>
-              <a:t>2021-04-15</a:t>
+              <a:t>2021-04-16</a:t>
             </a:fld>
             <a:endParaRPr lang="ko-KR" altLang="en-US"/>
           </a:p>
@@ -3311,7 +3311,7 @@
             <a:pPr algn="r"/>
             <a:fld id="{5E6E78F3-B9B3-41C4-9CC7-01C5D5308963}" type="datetime1">
               <a:rPr lang="ko-KR" altLang="en-US" smtClean="0"/>
-              <a:t>2021-04-15</a:t>
+              <a:t>2021-04-16</a:t>
             </a:fld>
             <a:endParaRPr lang="ko-KR" altLang="en-US"/>
           </a:p>
@@ -4048,7 +4048,7 @@
           <a:p>
             <a:fld id="{8EAEFBAC-A272-4DE3-9193-C9FEDCFDA02C}" type="datetime1">
               <a:rPr lang="ko-KR" altLang="en-US" smtClean="0"/>
-              <a:t>2021-04-15</a:t>
+              <a:t>2021-04-16</a:t>
             </a:fld>
             <a:endParaRPr lang="ko-KR" altLang="en-US"/>
           </a:p>
@@ -4305,7 +4305,7 @@
           <a:p>
             <a:fld id="{42686484-5B91-49B9-9E54-3A55D976DF87}" type="datetime1">
               <a:rPr lang="ko-KR" altLang="en-US" smtClean="0"/>
-              <a:t>2021-04-15</a:t>
+              <a:t>2021-04-16</a:t>
             </a:fld>
             <a:endParaRPr lang="ko-KR" altLang="en-US"/>
           </a:p>
@@ -4518,7 +4518,7 @@
           <a:p>
             <a:fld id="{BC394620-207E-446B-B609-54E4FB2B478F}" type="datetime1">
               <a:rPr lang="ko-KR" altLang="en-US" smtClean="0"/>
-              <a:t>2021-04-15</a:t>
+              <a:t>2021-04-16</a:t>
             </a:fld>
             <a:endParaRPr lang="ko-KR" altLang="en-US"/>
           </a:p>
@@ -5769,8 +5769,8 @@
           </a:p>
         </p:txBody>
       </p:sp>
-      <mc:AlternateContent xmlns:mc="http://schemas.openxmlformats.org/markup-compatibility/2006">
-        <mc:Choice xmlns:a14="http://schemas.microsoft.com/office/drawing/2010/main" Requires="a14">
+      <mc:AlternateContent xmlns:mc="http://schemas.openxmlformats.org/markup-compatibility/2006" xmlns:a14="http://schemas.microsoft.com/office/drawing/2010/main">
+        <mc:Choice Requires="a14">
           <p:sp>
             <p:nvSpPr>
               <p:cNvPr id="7" name="TextBox 6">
@@ -5799,6 +5799,7 @@
               </a:bodyPr>
               <a:lstStyle/>
               <a:p>
+                <a:pPr/>
                 <a14:m>
                   <m:oMathPara xmlns:m="http://schemas.openxmlformats.org/officeDocument/2006/math">
                     <m:oMathParaPr>
@@ -5961,7 +5962,7 @@
             </p:txBody>
           </p:sp>
         </mc:Choice>
-        <mc:Fallback>
+        <mc:Fallback xmlns="">
           <p:sp>
             <p:nvSpPr>
               <p:cNvPr id="7" name="TextBox 6">
@@ -6059,7 +6060,7 @@
         </p:nvGrpSpPr>
         <p:grpSpPr>
           <a:xfrm>
-            <a:off x="4572000" y="3190713"/>
+            <a:off x="5213023" y="3795700"/>
             <a:ext cx="4234912" cy="476574"/>
             <a:chOff x="1363462" y="2917555"/>
             <a:chExt cx="4234912" cy="476574"/>
